--- a/中越詩歌/小伯利恆_Ô Bết lê hem ấp nhỏ.pptx
+++ b/中越詩歌/小伯利恆_Ô Bết lê hem ấp nhỏ.pptx
@@ -136,6 +136,11 @@
       </a:defRPr>
     </a:lvl9pPr>
   </p:defaultTextStyle>
+  <p:extLst>
+    <p:ext uri="{EFAFB233-063F-42B5-8137-9DF3F51BA10A}">
+      <p15:sldGuideLst xmlns:p15="http://schemas.microsoft.com/office/powerpoint/2012/main"/>
+    </p:ext>
+  </p:extLst>
 </p:presentation>
 </file>
 
@@ -320,7 +325,7 @@
           <a:p>
             <a:fld id="{47ECA0FC-E2C1-4005-BE48-134851CFABD1}" type="datetimeFigureOut">
               <a:rPr lang="vi-VN" smtClean="0"/>
-              <a:t>18/12/2021</a:t>
+              <a:t>17/12/2022</a:t>
             </a:fld>
             <a:endParaRPr lang="vi-VN"/>
           </a:p>
@@ -490,7 +495,7 @@
           <a:p>
             <a:fld id="{47ECA0FC-E2C1-4005-BE48-134851CFABD1}" type="datetimeFigureOut">
               <a:rPr lang="vi-VN" smtClean="0"/>
-              <a:t>18/12/2021</a:t>
+              <a:t>17/12/2022</a:t>
             </a:fld>
             <a:endParaRPr lang="vi-VN"/>
           </a:p>
@@ -670,7 +675,7 @@
           <a:p>
             <a:fld id="{47ECA0FC-E2C1-4005-BE48-134851CFABD1}" type="datetimeFigureOut">
               <a:rPr lang="vi-VN" smtClean="0"/>
-              <a:t>18/12/2021</a:t>
+              <a:t>17/12/2022</a:t>
             </a:fld>
             <a:endParaRPr lang="vi-VN"/>
           </a:p>
@@ -840,7 +845,7 @@
           <a:p>
             <a:fld id="{47ECA0FC-E2C1-4005-BE48-134851CFABD1}" type="datetimeFigureOut">
               <a:rPr lang="vi-VN" smtClean="0"/>
-              <a:t>18/12/2021</a:t>
+              <a:t>17/12/2022</a:t>
             </a:fld>
             <a:endParaRPr lang="vi-VN"/>
           </a:p>
@@ -1086,7 +1091,7 @@
           <a:p>
             <a:fld id="{47ECA0FC-E2C1-4005-BE48-134851CFABD1}" type="datetimeFigureOut">
               <a:rPr lang="vi-VN" smtClean="0"/>
-              <a:t>18/12/2021</a:t>
+              <a:t>17/12/2022</a:t>
             </a:fld>
             <a:endParaRPr lang="vi-VN"/>
           </a:p>
@@ -1374,7 +1379,7 @@
           <a:p>
             <a:fld id="{47ECA0FC-E2C1-4005-BE48-134851CFABD1}" type="datetimeFigureOut">
               <a:rPr lang="vi-VN" smtClean="0"/>
-              <a:t>18/12/2021</a:t>
+              <a:t>17/12/2022</a:t>
             </a:fld>
             <a:endParaRPr lang="vi-VN"/>
           </a:p>
@@ -1796,7 +1801,7 @@
           <a:p>
             <a:fld id="{47ECA0FC-E2C1-4005-BE48-134851CFABD1}" type="datetimeFigureOut">
               <a:rPr lang="vi-VN" smtClean="0"/>
-              <a:t>18/12/2021</a:t>
+              <a:t>17/12/2022</a:t>
             </a:fld>
             <a:endParaRPr lang="vi-VN"/>
           </a:p>
@@ -1914,7 +1919,7 @@
           <a:p>
             <a:fld id="{47ECA0FC-E2C1-4005-BE48-134851CFABD1}" type="datetimeFigureOut">
               <a:rPr lang="vi-VN" smtClean="0"/>
-              <a:t>18/12/2021</a:t>
+              <a:t>17/12/2022</a:t>
             </a:fld>
             <a:endParaRPr lang="vi-VN"/>
           </a:p>
@@ -2009,7 +2014,7 @@
           <a:p>
             <a:fld id="{47ECA0FC-E2C1-4005-BE48-134851CFABD1}" type="datetimeFigureOut">
               <a:rPr lang="vi-VN" smtClean="0"/>
-              <a:t>18/12/2021</a:t>
+              <a:t>17/12/2022</a:t>
             </a:fld>
             <a:endParaRPr lang="vi-VN"/>
           </a:p>
@@ -2286,7 +2291,7 @@
           <a:p>
             <a:fld id="{47ECA0FC-E2C1-4005-BE48-134851CFABD1}" type="datetimeFigureOut">
               <a:rPr lang="vi-VN" smtClean="0"/>
-              <a:t>18/12/2021</a:t>
+              <a:t>17/12/2022</a:t>
             </a:fld>
             <a:endParaRPr lang="vi-VN"/>
           </a:p>
@@ -2543,7 +2548,7 @@
           <a:p>
             <a:fld id="{47ECA0FC-E2C1-4005-BE48-134851CFABD1}" type="datetimeFigureOut">
               <a:rPr lang="vi-VN" smtClean="0"/>
-              <a:t>18/12/2021</a:t>
+              <a:t>17/12/2022</a:t>
             </a:fld>
             <a:endParaRPr lang="vi-VN"/>
           </a:p>
@@ -2761,7 +2766,7 @@
           <a:p>
             <a:fld id="{47ECA0FC-E2C1-4005-BE48-134851CFABD1}" type="datetimeFigureOut">
               <a:rPr lang="vi-VN" smtClean="0"/>
-              <a:t>18/12/2021</a:t>
+              <a:t>17/12/2022</a:t>
             </a:fld>
             <a:endParaRPr lang="vi-VN"/>
           </a:p>
@@ -3801,7 +3806,7 @@
                   <a:srgbClr val="000066"/>
                 </a:solidFill>
               </a:rPr>
-              <a:t>)</a:t>
+              <a:t>/ 4 )</a:t>
             </a:r>
             <a:endParaRPr lang="vi-VN" sz="4267" b="1" dirty="0">
               <a:solidFill>
@@ -4209,23 +4214,7 @@
                   <a:srgbClr val="000066"/>
                 </a:solidFill>
               </a:rPr>
-              <a:t>( </a:t>
-            </a:r>
-            <a:r>
-              <a:rPr lang="en-US" sz="4267" b="1" dirty="0" smtClean="0">
-                <a:solidFill>
-                  <a:srgbClr val="000066"/>
-                </a:solidFill>
-              </a:rPr>
-              <a:t>2 </a:t>
-            </a:r>
-            <a:r>
-              <a:rPr lang="en-US" sz="4267" b="1" dirty="0">
-                <a:solidFill>
-                  <a:srgbClr val="000066"/>
-                </a:solidFill>
-              </a:rPr>
-              <a:t>)</a:t>
+              <a:t>( 2 / 4 )</a:t>
             </a:r>
             <a:endParaRPr lang="vi-VN" sz="4267" b="1" dirty="0">
               <a:solidFill>
@@ -4633,23 +4622,7 @@
                   <a:srgbClr val="000066"/>
                 </a:solidFill>
               </a:rPr>
-              <a:t>( </a:t>
-            </a:r>
-            <a:r>
-              <a:rPr lang="en-US" sz="4267" b="1" dirty="0" smtClean="0">
-                <a:solidFill>
-                  <a:srgbClr val="000066"/>
-                </a:solidFill>
-              </a:rPr>
-              <a:t>2 </a:t>
-            </a:r>
-            <a:r>
-              <a:rPr lang="en-US" sz="4267" b="1" dirty="0">
-                <a:solidFill>
-                  <a:srgbClr val="000066"/>
-                </a:solidFill>
-              </a:rPr>
-              <a:t>)</a:t>
+              <a:t>( 2 / 4 )</a:t>
             </a:r>
             <a:endParaRPr lang="vi-VN" sz="4267" b="1" dirty="0">
               <a:solidFill>
@@ -5035,23 +5008,7 @@
                   <a:srgbClr val="000066"/>
                 </a:solidFill>
               </a:rPr>
-              <a:t>( </a:t>
-            </a:r>
-            <a:r>
-              <a:rPr lang="en-US" sz="4267" b="1" dirty="0" smtClean="0">
-                <a:solidFill>
-                  <a:srgbClr val="000066"/>
-                </a:solidFill>
-              </a:rPr>
-              <a:t>2 </a:t>
-            </a:r>
-            <a:r>
-              <a:rPr lang="en-US" sz="4267" b="1" dirty="0">
-                <a:solidFill>
-                  <a:srgbClr val="000066"/>
-                </a:solidFill>
-              </a:rPr>
-              <a:t>)</a:t>
+              <a:t>( 2 / 4 )</a:t>
             </a:r>
             <a:endParaRPr lang="vi-VN" sz="4267" b="1" dirty="0">
               <a:solidFill>
@@ -5481,23 +5438,7 @@
                   <a:srgbClr val="000066"/>
                 </a:solidFill>
               </a:rPr>
-              <a:t>( </a:t>
-            </a:r>
-            <a:r>
-              <a:rPr lang="en-US" sz="4267" b="1" dirty="0" smtClean="0">
-                <a:solidFill>
-                  <a:srgbClr val="000066"/>
-                </a:solidFill>
-              </a:rPr>
-              <a:t>2 </a:t>
-            </a:r>
-            <a:r>
-              <a:rPr lang="en-US" sz="4267" b="1" dirty="0">
-                <a:solidFill>
-                  <a:srgbClr val="000066"/>
-                </a:solidFill>
-              </a:rPr>
-              <a:t>)</a:t>
+              <a:t>( 2 / 4 )</a:t>
             </a:r>
             <a:endParaRPr lang="vi-VN" sz="4267" b="1" dirty="0">
               <a:solidFill>
@@ -5872,23 +5813,7 @@
                   <a:srgbClr val="000066"/>
                 </a:solidFill>
               </a:rPr>
-              <a:t>( </a:t>
-            </a:r>
-            <a:r>
-              <a:rPr lang="en-US" sz="4267" b="1" dirty="0" smtClean="0">
-                <a:solidFill>
-                  <a:srgbClr val="000066"/>
-                </a:solidFill>
-              </a:rPr>
-              <a:t>2 </a:t>
-            </a:r>
-            <a:r>
-              <a:rPr lang="en-US" sz="4267" b="1" dirty="0">
-                <a:solidFill>
-                  <a:srgbClr val="000066"/>
-                </a:solidFill>
-              </a:rPr>
-              <a:t>)</a:t>
+              <a:t>( 2 / 4 )</a:t>
             </a:r>
             <a:endParaRPr lang="vi-VN" sz="4267" b="1" dirty="0">
               <a:solidFill>
@@ -6340,23 +6265,7 @@
                   <a:srgbClr val="000066"/>
                 </a:solidFill>
               </a:rPr>
-              <a:t>( </a:t>
-            </a:r>
-            <a:r>
-              <a:rPr lang="en-US" sz="4267" b="1" dirty="0" smtClean="0">
-                <a:solidFill>
-                  <a:srgbClr val="000066"/>
-                </a:solidFill>
-              </a:rPr>
-              <a:t>2 </a:t>
-            </a:r>
-            <a:r>
-              <a:rPr lang="en-US" sz="4267" b="1" dirty="0">
-                <a:solidFill>
-                  <a:srgbClr val="000066"/>
-                </a:solidFill>
-              </a:rPr>
-              <a:t>)</a:t>
+              <a:t>( 2 / 4 )</a:t>
             </a:r>
             <a:endParaRPr lang="vi-VN" sz="4267" b="1" dirty="0">
               <a:solidFill>
@@ -6623,18 +6532,7 @@
                 <a:ea typeface="微軟正黑體" pitchFamily="34" charset="-120"/>
                 <a:cs typeface="Calibri" panose="020F0502020204030204" pitchFamily="34" charset="0"/>
               </a:rPr>
-              <a:t> </a:t>
-            </a:r>
-            <a:r>
-              <a:rPr lang="en-US" altLang="zh-TW" sz="4400" b="1" dirty="0">
-                <a:solidFill>
-                  <a:srgbClr val="660033"/>
-                </a:solidFill>
-                <a:latin typeface="Calibri" panose="020F0502020204030204" pitchFamily="34" charset="0"/>
-                <a:ea typeface="微軟正黑體" pitchFamily="34" charset="-120"/>
-                <a:cs typeface="Calibri" panose="020F0502020204030204" pitchFamily="34" charset="0"/>
-              </a:rPr>
-              <a:t>an </a:t>
+              <a:t> an </a:t>
             </a:r>
             <a:r>
               <a:rPr lang="en-US" altLang="zh-TW" sz="4400" b="1" dirty="0" err="1">
@@ -6753,23 +6651,7 @@
                   <a:srgbClr val="000066"/>
                 </a:solidFill>
               </a:rPr>
-              <a:t>( </a:t>
-            </a:r>
-            <a:r>
-              <a:rPr lang="en-US" sz="4267" b="1" dirty="0" smtClean="0">
-                <a:solidFill>
-                  <a:srgbClr val="000066"/>
-                </a:solidFill>
-              </a:rPr>
-              <a:t>2 </a:t>
-            </a:r>
-            <a:r>
-              <a:rPr lang="en-US" sz="4267" b="1" dirty="0">
-                <a:solidFill>
-                  <a:srgbClr val="000066"/>
-                </a:solidFill>
-              </a:rPr>
-              <a:t>)</a:t>
+              <a:t>( 2 / 4 )</a:t>
             </a:r>
             <a:endParaRPr lang="vi-VN" sz="4267" b="1" dirty="0">
               <a:solidFill>
@@ -7193,7 +7075,7 @@
                   <a:srgbClr val="000066"/>
                 </a:solidFill>
               </a:rPr>
-              <a:t>)</a:t>
+              <a:t>/ 4 )</a:t>
             </a:r>
             <a:endParaRPr lang="vi-VN" sz="4267" b="1" dirty="0">
               <a:solidFill>
@@ -7601,23 +7483,7 @@
                   <a:srgbClr val="000066"/>
                 </a:solidFill>
               </a:rPr>
-              <a:t>( </a:t>
-            </a:r>
-            <a:r>
-              <a:rPr lang="en-US" sz="4267" b="1" dirty="0" smtClean="0">
-                <a:solidFill>
-                  <a:srgbClr val="000066"/>
-                </a:solidFill>
-              </a:rPr>
-              <a:t>3 </a:t>
-            </a:r>
-            <a:r>
-              <a:rPr lang="en-US" sz="4267" b="1" dirty="0">
-                <a:solidFill>
-                  <a:srgbClr val="000066"/>
-                </a:solidFill>
-              </a:rPr>
-              <a:t>)</a:t>
+              <a:t>( 3 / 4 )</a:t>
             </a:r>
             <a:endParaRPr lang="vi-VN" sz="4267" b="1" dirty="0">
               <a:solidFill>
@@ -8024,7 +7890,15 @@
                   <a:srgbClr val="000066"/>
                 </a:solidFill>
               </a:rPr>
-              <a:t>( 1 )</a:t>
+              <a:t>( 1 </a:t>
+            </a:r>
+            <a:r>
+              <a:rPr lang="en-US" sz="4267" b="1" dirty="0" smtClean="0">
+                <a:solidFill>
+                  <a:srgbClr val="000066"/>
+                </a:solidFill>
+              </a:rPr>
+              <a:t>/ 4 )</a:t>
             </a:r>
             <a:endParaRPr lang="vi-VN" sz="4267" b="1" dirty="0">
               <a:solidFill>
@@ -8432,23 +8306,7 @@
                   <a:srgbClr val="000066"/>
                 </a:solidFill>
               </a:rPr>
-              <a:t>( </a:t>
-            </a:r>
-            <a:r>
-              <a:rPr lang="en-US" sz="4267" b="1" dirty="0" smtClean="0">
-                <a:solidFill>
-                  <a:srgbClr val="000066"/>
-                </a:solidFill>
-              </a:rPr>
-              <a:t>3 </a:t>
-            </a:r>
-            <a:r>
-              <a:rPr lang="en-US" sz="4267" b="1" dirty="0">
-                <a:solidFill>
-                  <a:srgbClr val="000066"/>
-                </a:solidFill>
-              </a:rPr>
-              <a:t>)</a:t>
+              <a:t>( 3 / 4 )</a:t>
             </a:r>
             <a:endParaRPr lang="vi-VN" sz="4267" b="1" dirty="0">
               <a:solidFill>
@@ -8856,23 +8714,7 @@
                   <a:srgbClr val="000066"/>
                 </a:solidFill>
               </a:rPr>
-              <a:t>( </a:t>
-            </a:r>
-            <a:r>
-              <a:rPr lang="en-US" sz="4267" b="1" dirty="0" smtClean="0">
-                <a:solidFill>
-                  <a:srgbClr val="000066"/>
-                </a:solidFill>
-              </a:rPr>
-              <a:t>3 </a:t>
-            </a:r>
-            <a:r>
-              <a:rPr lang="en-US" sz="4267" b="1" dirty="0">
-                <a:solidFill>
-                  <a:srgbClr val="000066"/>
-                </a:solidFill>
-              </a:rPr>
-              <a:t>)</a:t>
+              <a:t>( 3 / 4 )</a:t>
             </a:r>
             <a:endParaRPr lang="vi-VN" sz="4267" b="1" dirty="0">
               <a:solidFill>
@@ -9280,23 +9122,7 @@
                   <a:srgbClr val="000066"/>
                 </a:solidFill>
               </a:rPr>
-              <a:t>( </a:t>
-            </a:r>
-            <a:r>
-              <a:rPr lang="en-US" sz="4267" b="1" dirty="0" smtClean="0">
-                <a:solidFill>
-                  <a:srgbClr val="000066"/>
-                </a:solidFill>
-              </a:rPr>
-              <a:t>3 </a:t>
-            </a:r>
-            <a:r>
-              <a:rPr lang="en-US" sz="4267" b="1" dirty="0">
-                <a:solidFill>
-                  <a:srgbClr val="000066"/>
-                </a:solidFill>
-              </a:rPr>
-              <a:t>)</a:t>
+              <a:t>( 3 / 4 )</a:t>
             </a:r>
             <a:endParaRPr lang="vi-VN" sz="4267" b="1" dirty="0">
               <a:solidFill>
@@ -9682,23 +9508,7 @@
                   <a:srgbClr val="000066"/>
                 </a:solidFill>
               </a:rPr>
-              <a:t>( </a:t>
-            </a:r>
-            <a:r>
-              <a:rPr lang="en-US" sz="4267" b="1" dirty="0" smtClean="0">
-                <a:solidFill>
-                  <a:srgbClr val="000066"/>
-                </a:solidFill>
-              </a:rPr>
-              <a:t>3 </a:t>
-            </a:r>
-            <a:r>
-              <a:rPr lang="en-US" sz="4267" b="1" dirty="0">
-                <a:solidFill>
-                  <a:srgbClr val="000066"/>
-                </a:solidFill>
-              </a:rPr>
-              <a:t>)</a:t>
+              <a:t>( 3 / 4 )</a:t>
             </a:r>
             <a:endParaRPr lang="vi-VN" sz="4267" b="1" dirty="0">
               <a:solidFill>
@@ -10128,23 +9938,7 @@
                   <a:srgbClr val="000066"/>
                 </a:solidFill>
               </a:rPr>
-              <a:t>( </a:t>
-            </a:r>
-            <a:r>
-              <a:rPr lang="en-US" sz="4267" b="1" dirty="0" smtClean="0">
-                <a:solidFill>
-                  <a:srgbClr val="000066"/>
-                </a:solidFill>
-              </a:rPr>
-              <a:t>3 </a:t>
-            </a:r>
-            <a:r>
-              <a:rPr lang="en-US" sz="4267" b="1" dirty="0">
-                <a:solidFill>
-                  <a:srgbClr val="000066"/>
-                </a:solidFill>
-              </a:rPr>
-              <a:t>)</a:t>
+              <a:t>( 3 / 4 )</a:t>
             </a:r>
             <a:endParaRPr lang="vi-VN" sz="4267" b="1" dirty="0">
               <a:solidFill>
@@ -10541,23 +10335,7 @@
                   <a:srgbClr val="000066"/>
                 </a:solidFill>
               </a:rPr>
-              <a:t>( </a:t>
-            </a:r>
-            <a:r>
-              <a:rPr lang="en-US" sz="4267" b="1" dirty="0" smtClean="0">
-                <a:solidFill>
-                  <a:srgbClr val="000066"/>
-                </a:solidFill>
-              </a:rPr>
-              <a:t>3 </a:t>
-            </a:r>
-            <a:r>
-              <a:rPr lang="en-US" sz="4267" b="1" dirty="0">
-                <a:solidFill>
-                  <a:srgbClr val="000066"/>
-                </a:solidFill>
-              </a:rPr>
-              <a:t>)</a:t>
+              <a:t>( 3 / 4 )</a:t>
             </a:r>
             <a:endParaRPr lang="vi-VN" sz="4267" b="1" dirty="0">
               <a:solidFill>
@@ -10981,7 +10759,7 @@
                   <a:srgbClr val="000066"/>
                 </a:solidFill>
               </a:rPr>
-              <a:t>)</a:t>
+              <a:t>/ 4 )</a:t>
             </a:r>
             <a:endParaRPr lang="vi-VN" sz="4267" b="1" dirty="0">
               <a:solidFill>
@@ -11389,23 +11167,7 @@
                   <a:srgbClr val="000066"/>
                 </a:solidFill>
               </a:rPr>
-              <a:t>( </a:t>
-            </a:r>
-            <a:r>
-              <a:rPr lang="en-US" sz="4267" b="1" dirty="0" smtClean="0">
-                <a:solidFill>
-                  <a:srgbClr val="000066"/>
-                </a:solidFill>
-              </a:rPr>
-              <a:t>4 </a:t>
-            </a:r>
-            <a:r>
-              <a:rPr lang="en-US" sz="4267" b="1" dirty="0">
-                <a:solidFill>
-                  <a:srgbClr val="000066"/>
-                </a:solidFill>
-              </a:rPr>
-              <a:t>)</a:t>
+              <a:t>( 4 / 4 )</a:t>
             </a:r>
             <a:endParaRPr lang="vi-VN" sz="4267" b="1" dirty="0">
               <a:solidFill>
@@ -11857,23 +11619,7 @@
                   <a:srgbClr val="000066"/>
                 </a:solidFill>
               </a:rPr>
-              <a:t>( </a:t>
-            </a:r>
-            <a:r>
-              <a:rPr lang="en-US" sz="4267" b="1" dirty="0" smtClean="0">
-                <a:solidFill>
-                  <a:srgbClr val="000066"/>
-                </a:solidFill>
-              </a:rPr>
-              <a:t>4 </a:t>
-            </a:r>
-            <a:r>
-              <a:rPr lang="en-US" sz="4267" b="1" dirty="0">
-                <a:solidFill>
-                  <a:srgbClr val="000066"/>
-                </a:solidFill>
-              </a:rPr>
-              <a:t>)</a:t>
+              <a:t>( 4 / 4 )</a:t>
             </a:r>
             <a:endParaRPr lang="vi-VN" sz="4267" b="1" dirty="0">
               <a:solidFill>
@@ -12281,23 +12027,7 @@
                   <a:srgbClr val="000066"/>
                 </a:solidFill>
               </a:rPr>
-              <a:t>( </a:t>
-            </a:r>
-            <a:r>
-              <a:rPr lang="en-US" sz="4267" b="1" dirty="0" smtClean="0">
-                <a:solidFill>
-                  <a:srgbClr val="000066"/>
-                </a:solidFill>
-              </a:rPr>
-              <a:t>4 </a:t>
-            </a:r>
-            <a:r>
-              <a:rPr lang="en-US" sz="4267" b="1" dirty="0">
-                <a:solidFill>
-                  <a:srgbClr val="000066"/>
-                </a:solidFill>
-              </a:rPr>
-              <a:t>)</a:t>
+              <a:t>( 4 / 4 )</a:t>
             </a:r>
             <a:endParaRPr lang="vi-VN" sz="4267" b="1" dirty="0">
               <a:solidFill>
@@ -12683,7 +12413,7 @@
                   <a:srgbClr val="000066"/>
                 </a:solidFill>
               </a:rPr>
-              <a:t>( 1 )</a:t>
+              <a:t>( 1 / 4 )</a:t>
             </a:r>
             <a:endParaRPr lang="vi-VN" sz="4267" b="1" dirty="0">
               <a:solidFill>
@@ -13091,23 +12821,7 @@
                   <a:srgbClr val="000066"/>
                 </a:solidFill>
               </a:rPr>
-              <a:t>( </a:t>
-            </a:r>
-            <a:r>
-              <a:rPr lang="en-US" sz="4267" b="1" dirty="0" smtClean="0">
-                <a:solidFill>
-                  <a:srgbClr val="000066"/>
-                </a:solidFill>
-              </a:rPr>
-              <a:t>4 </a:t>
-            </a:r>
-            <a:r>
-              <a:rPr lang="en-US" sz="4267" b="1" dirty="0">
-                <a:solidFill>
-                  <a:srgbClr val="000066"/>
-                </a:solidFill>
-              </a:rPr>
-              <a:t>)</a:t>
+              <a:t>( 4 / 4 )</a:t>
             </a:r>
             <a:endParaRPr lang="vi-VN" sz="4267" b="1" dirty="0">
               <a:solidFill>
@@ -13482,23 +13196,7 @@
                   <a:srgbClr val="000066"/>
                 </a:solidFill>
               </a:rPr>
-              <a:t>( </a:t>
-            </a:r>
-            <a:r>
-              <a:rPr lang="en-US" sz="4267" b="1" dirty="0" smtClean="0">
-                <a:solidFill>
-                  <a:srgbClr val="000066"/>
-                </a:solidFill>
-              </a:rPr>
-              <a:t>4 </a:t>
-            </a:r>
-            <a:r>
-              <a:rPr lang="en-US" sz="4267" b="1" dirty="0">
-                <a:solidFill>
-                  <a:srgbClr val="000066"/>
-                </a:solidFill>
-              </a:rPr>
-              <a:t>)</a:t>
+              <a:t>( 4 / 4 )</a:t>
             </a:r>
             <a:endParaRPr lang="vi-VN" sz="4267" b="1" dirty="0">
               <a:solidFill>
@@ -13884,23 +13582,7 @@
                   <a:srgbClr val="000066"/>
                 </a:solidFill>
               </a:rPr>
-              <a:t>( </a:t>
-            </a:r>
-            <a:r>
-              <a:rPr lang="en-US" sz="4267" b="1" dirty="0" smtClean="0">
-                <a:solidFill>
-                  <a:srgbClr val="000066"/>
-                </a:solidFill>
-              </a:rPr>
-              <a:t>4 </a:t>
-            </a:r>
-            <a:r>
-              <a:rPr lang="en-US" sz="4267" b="1" dirty="0">
-                <a:solidFill>
-                  <a:srgbClr val="000066"/>
-                </a:solidFill>
-              </a:rPr>
-              <a:t>)</a:t>
+              <a:t>( 4 / 4 )</a:t>
             </a:r>
             <a:endParaRPr lang="vi-VN" sz="4267" b="1" dirty="0">
               <a:solidFill>
@@ -14308,23 +13990,7 @@
                   <a:srgbClr val="000066"/>
                 </a:solidFill>
               </a:rPr>
-              <a:t>( </a:t>
-            </a:r>
-            <a:r>
-              <a:rPr lang="en-US" sz="4267" b="1" dirty="0" smtClean="0">
-                <a:solidFill>
-                  <a:srgbClr val="000066"/>
-                </a:solidFill>
-              </a:rPr>
-              <a:t>4 </a:t>
-            </a:r>
-            <a:r>
-              <a:rPr lang="en-US" sz="4267" b="1" dirty="0">
-                <a:solidFill>
-                  <a:srgbClr val="000066"/>
-                </a:solidFill>
-              </a:rPr>
-              <a:t>)</a:t>
+              <a:t>( 4 / 4 )</a:t>
             </a:r>
             <a:endParaRPr lang="vi-VN" sz="4267" b="1" dirty="0">
               <a:solidFill>
@@ -14754,7 +14420,7 @@
                   <a:srgbClr val="000066"/>
                 </a:solidFill>
               </a:rPr>
-              <a:t>( 1 )</a:t>
+              <a:t>( 1 / 4 )</a:t>
             </a:r>
             <a:endParaRPr lang="vi-VN" sz="4267" b="1" dirty="0">
               <a:solidFill>
@@ -15162,7 +14828,7 @@
                   <a:srgbClr val="000066"/>
                 </a:solidFill>
               </a:rPr>
-              <a:t>( 1 )</a:t>
+              <a:t>( 1 / 4 )</a:t>
             </a:r>
             <a:endParaRPr lang="vi-VN" sz="4267" b="1" dirty="0">
               <a:solidFill>
@@ -15592,7 +15258,7 @@
                   <a:srgbClr val="000066"/>
                 </a:solidFill>
               </a:rPr>
-              <a:t>( 1 )</a:t>
+              <a:t>( 1 / 4 )</a:t>
             </a:r>
             <a:endParaRPr lang="vi-VN" sz="4267" b="1" dirty="0">
               <a:solidFill>
@@ -16000,7 +15666,7 @@
                   <a:srgbClr val="000066"/>
                 </a:solidFill>
               </a:rPr>
-              <a:t>( 1 )</a:t>
+              <a:t>( 1 / 4 )</a:t>
             </a:r>
             <a:endParaRPr lang="vi-VN" sz="4267" b="1" dirty="0">
               <a:solidFill>
@@ -16452,7 +16118,7 @@
                   <a:srgbClr val="000066"/>
                 </a:solidFill>
               </a:rPr>
-              <a:t>( 1 )</a:t>
+              <a:t>( 1 / 4 )</a:t>
             </a:r>
             <a:endParaRPr lang="vi-VN" sz="4267" b="1" dirty="0">
               <a:solidFill>
@@ -16838,7 +16504,7 @@
                   <a:srgbClr val="000066"/>
                 </a:solidFill>
               </a:rPr>
-              <a:t>( 1 )</a:t>
+              <a:t>( 1 / 4 )</a:t>
             </a:r>
             <a:endParaRPr lang="vi-VN" sz="4267" b="1" dirty="0">
               <a:solidFill>
